--- a/topic01-IntelliJ-JVM-and-IO/unit-01a-introduction/talk-2-oo-recap/oo-recap.pptx
+++ b/topic01-IntelliJ-JVM-and-IO/unit-01a-introduction/talk-2-oo-recap/oo-recap.pptx
@@ -243,7 +243,7 @@
           <a:p>
             <a:fld id="{56BC3C30-7F3D-4B20-9974-47C57B22CA6E}" type="datetimeFigureOut">
               <a:rPr lang="en-IE" smtClean="0"/>
-              <a:t>13/01/2024</a:t>
+              <a:t>15/01/2026</a:t>
             </a:fld>
             <a:endParaRPr lang="en-IE"/>
           </a:p>
@@ -1596,7 +1596,7 @@
             <a:fld id="{1D8BD707-D9CF-40AE-B4C6-C98DA3205C09}" type="datetimeFigureOut">
               <a:rPr lang="en-US" smtClean="0"/>
               <a:pPr/>
-              <a:t>1/13/24</a:t>
+              <a:t>1/15/2026</a:t>
             </a:fld>
             <a:endParaRPr lang="en-US"/>
           </a:p>
@@ -1761,7 +1761,7 @@
             <a:fld id="{1D8BD707-D9CF-40AE-B4C6-C98DA3205C09}" type="datetimeFigureOut">
               <a:rPr lang="en-US" smtClean="0"/>
               <a:pPr/>
-              <a:t>1/13/24</a:t>
+              <a:t>1/15/2026</a:t>
             </a:fld>
             <a:endParaRPr lang="en-US"/>
           </a:p>
@@ -1936,7 +1936,7 @@
             <a:fld id="{1D8BD707-D9CF-40AE-B4C6-C98DA3205C09}" type="datetimeFigureOut">
               <a:rPr lang="en-US" smtClean="0"/>
               <a:pPr/>
-              <a:t>1/13/24</a:t>
+              <a:t>1/15/2026</a:t>
             </a:fld>
             <a:endParaRPr lang="en-US"/>
           </a:p>
@@ -2112,7 +2112,7 @@
             <a:fld id="{1D8BD707-D9CF-40AE-B4C6-C98DA3205C09}" type="datetimeFigureOut">
               <a:rPr lang="en-US" smtClean="0"/>
               <a:pPr/>
-              <a:t>1/13/24</a:t>
+              <a:t>1/15/2026</a:t>
             </a:fld>
             <a:endParaRPr lang="en-US"/>
           </a:p>
@@ -2392,7 +2392,7 @@
             <a:fld id="{1D8BD707-D9CF-40AE-B4C6-C98DA3205C09}" type="datetimeFigureOut">
               <a:rPr lang="en-US" smtClean="0"/>
               <a:pPr/>
-              <a:t>1/13/24</a:t>
+              <a:t>1/15/2026</a:t>
             </a:fld>
             <a:endParaRPr lang="en-US"/>
           </a:p>
@@ -2685,7 +2685,7 @@
             <a:fld id="{1D8BD707-D9CF-40AE-B4C6-C98DA3205C09}" type="datetimeFigureOut">
               <a:rPr lang="en-US" smtClean="0"/>
               <a:pPr/>
-              <a:t>1/13/24</a:t>
+              <a:t>1/15/2026</a:t>
             </a:fld>
             <a:endParaRPr lang="en-US"/>
           </a:p>
@@ -3143,7 +3143,7 @@
             <a:fld id="{1D8BD707-D9CF-40AE-B4C6-C98DA3205C09}" type="datetimeFigureOut">
               <a:rPr lang="en-US" smtClean="0"/>
               <a:pPr/>
-              <a:t>1/13/24</a:t>
+              <a:t>1/15/2026</a:t>
             </a:fld>
             <a:endParaRPr lang="en-US"/>
           </a:p>
@@ -3303,7 +3303,7 @@
             <a:fld id="{1D8BD707-D9CF-40AE-B4C6-C98DA3205C09}" type="datetimeFigureOut">
               <a:rPr lang="en-US" smtClean="0"/>
               <a:pPr/>
-              <a:t>1/13/24</a:t>
+              <a:t>1/15/2026</a:t>
             </a:fld>
             <a:endParaRPr lang="en-US"/>
           </a:p>
@@ -3430,7 +3430,7 @@
             <a:fld id="{1D8BD707-D9CF-40AE-B4C6-C98DA3205C09}" type="datetimeFigureOut">
               <a:rPr lang="en-US" smtClean="0"/>
               <a:pPr/>
-              <a:t>1/13/24</a:t>
+              <a:t>1/15/2026</a:t>
             </a:fld>
             <a:endParaRPr lang="en-US"/>
           </a:p>
@@ -3702,7 +3702,7 @@
             <a:fld id="{1D8BD707-D9CF-40AE-B4C6-C98DA3205C09}" type="datetimeFigureOut">
               <a:rPr lang="en-US" smtClean="0"/>
               <a:pPr/>
-              <a:t>1/13/24</a:t>
+              <a:t>1/15/2026</a:t>
             </a:fld>
             <a:endParaRPr lang="en-US"/>
           </a:p>
@@ -3951,7 +3951,7 @@
             <a:fld id="{1D8BD707-D9CF-40AE-B4C6-C98DA3205C09}" type="datetimeFigureOut">
               <a:rPr lang="en-US" smtClean="0"/>
               <a:pPr/>
-              <a:t>1/13/24</a:t>
+              <a:t>1/15/2026</a:t>
             </a:fld>
             <a:endParaRPr lang="en-US"/>
           </a:p>
@@ -4159,7 +4159,7 @@
             <a:fld id="{1D8BD707-D9CF-40AE-B4C6-C98DA3205C09}" type="datetimeFigureOut">
               <a:rPr lang="en-US" smtClean="0"/>
               <a:pPr/>
-              <a:t>1/13/24</a:t>
+              <a:t>1/15/2026</a:t>
             </a:fld>
             <a:endParaRPr lang="en-US"/>
           </a:p>
@@ -4923,7 +4923,7 @@
           <p:nvPr/>
         </p:nvPicPr>
         <p:blipFill>
-          <a:blip r:embed="rId2">
+          <a:blip r:embed="rId2" cstate="print">
             <a:extLst>
               <a:ext uri="{28A0092B-C50C-407E-A947-70E740481C1C}">
                 <a14:useLocalDpi xmlns:a14="http://schemas.microsoft.com/office/drawing/2010/main" val="0"/>
@@ -26969,9 +26969,15 @@
       </p:sp>
       <p:pic>
         <p:nvPicPr>
-          <p:cNvPr id="3074" name="Picture 2" descr="Image result for questions"/>
+          <p:cNvPr id="3" name="Picture 2" descr="A green question mark in a circle&#10;&#10;AI-generated content may be incorrect.">
+            <a:extLst>
+              <a:ext uri="{FF2B5EF4-FFF2-40B4-BE49-F238E27FC236}">
+                <a16:creationId xmlns:a16="http://schemas.microsoft.com/office/drawing/2014/main" id="{D743BECD-56A4-3282-4939-E5617624E26C}"/>
+              </a:ext>
+            </a:extLst>
+          </p:cNvPr>
           <p:cNvPicPr>
-            <a:picLocks noChangeAspect="1" noChangeArrowheads="1"/>
+            <a:picLocks noChangeAspect="1"/>
           </p:cNvPicPr>
           <p:nvPr/>
         </p:nvPicPr>
@@ -26983,29 +26989,18 @@
               </a:ext>
             </a:extLst>
           </a:blip>
-          <a:srcRect/>
           <a:stretch>
             <a:fillRect/>
           </a:stretch>
         </p:blipFill>
-        <p:spPr bwMode="auto">
+        <p:spPr>
           <a:xfrm>
-            <a:off x="3810000" y="2057401"/>
-            <a:ext cx="4343400" cy="3509469"/>
+            <a:off x="2971800" y="1325562"/>
+            <a:ext cx="5257800" cy="5257800"/>
           </a:xfrm>
           <a:prstGeom prst="rect">
             <a:avLst/>
           </a:prstGeom>
-          <a:noFill/>
-          <a:extLst>
-            <a:ext uri="{909E8E84-426E-40DD-AFC4-6F175D3DCCD1}">
-              <a14:hiddenFill xmlns:a14="http://schemas.microsoft.com/office/drawing/2010/main">
-                <a:solidFill>
-                  <a:srgbClr val="FFFFFF"/>
-                </a:solidFill>
-              </a14:hiddenFill>
-            </a:ext>
-          </a:extLst>
         </p:spPr>
       </p:pic>
     </p:spTree>
